--- a/形態素ベースドレビューワークショップ.pptx
+++ b/形態素ベースドレビューワークショップ.pptx
@@ -295,7 +295,7 @@
             <a:fld id="{A7640E48-A5E0-5041-9B48-F1CC1125BC09}" type="datetimeFigureOut">
               <a:rPr kumimoji="1" lang="ja-JP" altLang="en-US" smtClean="0"/>
               <a:pPr/>
-              <a:t>2021/12/2</a:t>
+              <a:t>2021/12/3</a:t>
             </a:fld>
             <a:endParaRPr kumimoji="1" lang="ja-JP" altLang="en-US"/>
           </a:p>
@@ -462,7 +462,7 @@
             <a:fld id="{5C5FCEE9-5451-724E-8226-661F248CEFD0}" type="datetimeFigureOut">
               <a:rPr kumimoji="1" lang="ja-JP" altLang="en-US" smtClean="0"/>
               <a:pPr/>
-              <a:t>2021/12/2</a:t>
+              <a:t>2021/12/3</a:t>
             </a:fld>
             <a:endParaRPr kumimoji="1" lang="ja-JP" altLang="en-US"/>
           </a:p>
@@ -6299,7 +6299,7 @@
           <a:p>
             <a:r>
               <a:rPr kumimoji="1" lang="ja-JP" altLang="en-US" dirty="0"/>
-              <a:t>わかったこと／わからなかったこと</a:t>
+              <a:t>わかったこと／わからなかったこと／きづいたこと</a:t>
             </a:r>
             <a:endParaRPr lang="en-US" altLang="ja-JP" sz="2400" dirty="0"/>
           </a:p>
@@ -6482,7 +6482,7 @@
             <a:pPr lvl="2"/>
             <a:r>
               <a:rPr kumimoji="1" lang="ja-JP" altLang="en-US" dirty="0"/>
-              <a:t>わかったこと／わからなかったこと</a:t>
+              <a:t>わかったこと／わからなかったこと／きづいたこと</a:t>
             </a:r>
             <a:endParaRPr kumimoji="1" lang="en-US" altLang="ja-JP" dirty="0"/>
           </a:p>
@@ -7692,6 +7692,16 @@
               <a:t>タイムスケジュール</a:t>
             </a:r>
             <a:endParaRPr lang="en-US" altLang="ja-JP" sz="2800" dirty="0"/>
+          </a:p>
+          <a:p>
+            <a:r>
+              <a:rPr lang="ja-JP" altLang="en-US" sz="2800" dirty="0"/>
+              <a:t>ワーク</a:t>
+            </a:r>
+            <a:r>
+              <a:rPr lang="en-US" altLang="ja-JP" sz="2800" dirty="0"/>
+              <a:t>0</a:t>
+            </a:r>
           </a:p>
           <a:p>
             <a:r>
@@ -9000,6 +9010,10 @@
               <a:rPr kumimoji="1" lang="ja-JP" altLang="en-US" dirty="0"/>
               <a:t>わかったこと／わからなかったこと</a:t>
             </a:r>
+            <a:r>
+              <a:rPr lang="ja-JP" altLang="en-US" dirty="0"/>
+              <a:t>／きづいたこと</a:t>
+            </a:r>
             <a:endParaRPr kumimoji="1" lang="en-US" altLang="ja-JP" dirty="0"/>
           </a:p>
           <a:p>
@@ -9138,7 +9152,7 @@
             <p:ph sz="quarter" idx="14"/>
             <p:extLst>
               <p:ext uri="{D42A27DB-BD31-4B8C-83A1-F6EECF244321}">
-                <p14:modId xmlns:p14="http://schemas.microsoft.com/office/powerpoint/2010/main" val="1269337397"/>
+                <p14:modId xmlns:p14="http://schemas.microsoft.com/office/powerpoint/2010/main" val="4032936203"/>
               </p:ext>
             </p:extLst>
           </p:nvPr>
@@ -9300,6 +9314,14 @@
                     <a:p>
                       <a:r>
                         <a:rPr kumimoji="1" lang="ja-JP" altLang="en-US" dirty="0"/>
+                        <a:t>ワーク</a:t>
+                      </a:r>
+                      <a:r>
+                        <a:rPr kumimoji="1" lang="en-US" altLang="ja-JP" dirty="0"/>
+                        <a:t>0:</a:t>
+                      </a:r>
+                      <a:r>
+                        <a:rPr kumimoji="1" lang="ja-JP" altLang="en-US" dirty="0"/>
                         <a:t>仕様書を上から順に読む</a:t>
                       </a:r>
                     </a:p>
@@ -9355,11 +9377,11 @@
                       </a:r>
                       <a:r>
                         <a:rPr kumimoji="1" lang="en-US" altLang="ja-JP" dirty="0"/>
-                        <a:t>1</a:t>
+                        <a:t>1:</a:t>
                       </a:r>
                       <a:r>
                         <a:rPr kumimoji="1" lang="ja-JP" altLang="en-US" dirty="0"/>
-                        <a:t>の進め方説明・形態素解析演習</a:t>
+                        <a:t>進め方説明・形態素解析演習</a:t>
                       </a:r>
                     </a:p>
                   </a:txBody>
@@ -9411,6 +9433,14 @@
                     <a:p>
                       <a:r>
                         <a:rPr kumimoji="1" lang="ja-JP" altLang="en-US" dirty="0"/>
+                        <a:t>ワーク</a:t>
+                      </a:r>
+                      <a:r>
+                        <a:rPr kumimoji="1" lang="en-US" altLang="ja-JP" dirty="0"/>
+                        <a:t>1:</a:t>
+                      </a:r>
+                      <a:r>
+                        <a:rPr kumimoji="1" lang="ja-JP" altLang="en-US" dirty="0"/>
                         <a:t>形態素ベースドレビュー</a:t>
                       </a:r>
                     </a:p>
@@ -9460,6 +9490,14 @@
                     <a:bodyPr/>
                     <a:lstStyle/>
                     <a:p>
+                      <a:r>
+                        <a:rPr kumimoji="1" lang="ja-JP" altLang="en-US" dirty="0"/>
+                        <a:t>ワーク</a:t>
+                      </a:r>
+                      <a:r>
+                        <a:rPr kumimoji="1" lang="en-US" altLang="ja-JP" dirty="0"/>
+                        <a:t>1:</a:t>
+                      </a:r>
                       <a:r>
                         <a:rPr kumimoji="1" lang="ja-JP" altLang="en-US" dirty="0"/>
                         <a:t>形態素ベースドレビュー結果の共有</a:t>
@@ -9517,11 +9555,11 @@
                       </a:r>
                       <a:r>
                         <a:rPr kumimoji="1" lang="en-US" altLang="ja-JP" dirty="0"/>
-                        <a:t>2</a:t>
+                        <a:t>2:</a:t>
                       </a:r>
                       <a:r>
                         <a:rPr kumimoji="1" lang="ja-JP" altLang="en-US" dirty="0"/>
-                        <a:t>の進め方説明</a:t>
+                        <a:t>進め方説明</a:t>
                       </a:r>
                     </a:p>
                   </a:txBody>
@@ -9572,8 +9610,12 @@
                     <a:lstStyle/>
                     <a:p>
                       <a:r>
+                        <a:rPr kumimoji="1" lang="ja-JP" altLang="en-US" dirty="0"/>
+                        <a:t>ワーク</a:t>
+                      </a:r>
+                      <a:r>
                         <a:rPr kumimoji="1" lang="en-US" altLang="ja-JP" dirty="0"/>
-                        <a:t>Domain</a:t>
+                        <a:t>2:Domain</a:t>
                       </a:r>
                       <a:r>
                         <a:rPr kumimoji="1" lang="ja-JP" altLang="en-US" dirty="0"/>
@@ -9649,8 +9691,12 @@
                         <a:defRPr/>
                       </a:pPr>
                       <a:r>
+                        <a:rPr kumimoji="1" lang="ja-JP" altLang="en-US" dirty="0"/>
+                        <a:t>ワーク</a:t>
+                      </a:r>
+                      <a:r>
                         <a:rPr kumimoji="1" lang="en-US" altLang="ja-JP" dirty="0"/>
-                        <a:t>Domain</a:t>
+                        <a:t>2:Domain</a:t>
                       </a:r>
                       <a:r>
                         <a:rPr kumimoji="1" lang="ja-JP" altLang="en-US" dirty="0"/>

--- a/形態素ベースドレビューワークショップ.pptx
+++ b/形態素ベースドレビューワークショップ.pptx
@@ -5,10 +5,10 @@
     <p:sldMasterId id="2147483648" r:id="rId1"/>
   </p:sldMasterIdLst>
   <p:notesMasterIdLst>
-    <p:notesMasterId r:id="rId25"/>
+    <p:notesMasterId r:id="rId26"/>
   </p:notesMasterIdLst>
   <p:handoutMasterIdLst>
-    <p:handoutMasterId r:id="rId26"/>
+    <p:handoutMasterId r:id="rId27"/>
   </p:handoutMasterIdLst>
   <p:sldIdLst>
     <p:sldId id="310" r:id="rId2"/>
@@ -31,9 +31,10 @@
     <p:sldId id="407" r:id="rId19"/>
     <p:sldId id="419" r:id="rId20"/>
     <p:sldId id="420" r:id="rId21"/>
-    <p:sldId id="422" r:id="rId22"/>
-    <p:sldId id="421" r:id="rId23"/>
-    <p:sldId id="409" r:id="rId24"/>
+    <p:sldId id="423" r:id="rId22"/>
+    <p:sldId id="422" r:id="rId23"/>
+    <p:sldId id="421" r:id="rId24"/>
+    <p:sldId id="409" r:id="rId25"/>
   </p:sldIdLst>
   <p:sldSz cx="9144000" cy="6864350"/>
   <p:notesSz cx="9866313" cy="6735763"/>
@@ -157,6 +158,7 @@
             <p14:sldId id="407"/>
             <p14:sldId id="419"/>
             <p14:sldId id="420"/>
+            <p14:sldId id="423"/>
             <p14:sldId id="422"/>
             <p14:sldId id="421"/>
             <p14:sldId id="409"/>
@@ -1983,7 +1985,7 @@
                 <a:ea typeface="Verdana" panose="020B0604030504040204" pitchFamily="34" charset="0"/>
                 <a:cs typeface="Verdana" panose="020B0604030504040204" pitchFamily="34" charset="0"/>
               </a:rPr>
-              <a:t>/22</a:t>
+              <a:t>/23</a:t>
             </a:r>
             <a:endParaRPr kumimoji="1" lang="ja-JP" altLang="en-US" sz="1300" dirty="0">
               <a:solidFill>
@@ -2634,7 +2636,7 @@
           <a:p>
             <a:r>
               <a:rPr lang="en-US" altLang="ja-JP" dirty="0"/>
-              <a:t>2. </a:t>
+              <a:t>4. </a:t>
             </a:r>
             <a:r>
               <a:rPr lang="ja-JP" altLang="en-US" dirty="0"/>
@@ -2856,7 +2858,7 @@
           <a:p>
             <a:r>
               <a:rPr lang="en-US" altLang="ja-JP" dirty="0"/>
-              <a:t>2. </a:t>
+              <a:t>4. </a:t>
             </a:r>
             <a:r>
               <a:rPr lang="ja-JP" altLang="en-US" dirty="0"/>
@@ -3053,7 +3055,7 @@
           <a:p>
             <a:r>
               <a:rPr lang="en-US" altLang="ja-JP" dirty="0"/>
-              <a:t>3. </a:t>
+              <a:t>5. </a:t>
             </a:r>
             <a:r>
               <a:rPr lang="ja-JP" altLang="en-US" dirty="0"/>
@@ -3282,7 +3284,7 @@
           <a:p>
             <a:r>
               <a:rPr lang="en-US" altLang="ja-JP" dirty="0"/>
-              <a:t>4. </a:t>
+              <a:t>6. </a:t>
             </a:r>
             <a:r>
               <a:rPr lang="ja-JP" altLang="en-US" dirty="0"/>
@@ -3517,7 +3519,7 @@
           <a:p>
             <a:r>
               <a:rPr lang="en-US" altLang="ja-JP" dirty="0"/>
-              <a:t>4. </a:t>
+              <a:t>6. </a:t>
             </a:r>
             <a:r>
               <a:rPr lang="ja-JP" altLang="en-US" dirty="0"/>
@@ -3914,7 +3916,7 @@
           <a:p>
             <a:r>
               <a:rPr lang="en-US" altLang="ja-JP" dirty="0"/>
-              <a:t>4. </a:t>
+              <a:t>6. </a:t>
             </a:r>
             <a:r>
               <a:rPr lang="ja-JP" altLang="en-US" dirty="0"/>
@@ -4376,7 +4378,7 @@
           <a:p>
             <a:r>
               <a:rPr lang="en-US" altLang="ja-JP" dirty="0"/>
-              <a:t>4. </a:t>
+              <a:t>6. </a:t>
             </a:r>
             <a:r>
               <a:rPr lang="ja-JP" altLang="en-US" dirty="0"/>
@@ -4618,7 +4620,7 @@
           <a:p>
             <a:r>
               <a:rPr lang="en-US" altLang="ja-JP" dirty="0"/>
-              <a:t>4. </a:t>
+              <a:t>6. </a:t>
             </a:r>
             <a:r>
               <a:rPr lang="ja-JP" altLang="en-US" dirty="0"/>
@@ -4908,7 +4910,7 @@
           <a:p>
             <a:r>
               <a:rPr lang="en-US" altLang="ja-JP" dirty="0"/>
-              <a:t>5. </a:t>
+              <a:t>7. </a:t>
             </a:r>
             <a:r>
               <a:rPr lang="ja-JP" altLang="en-US" dirty="0"/>
@@ -5200,7 +5202,7 @@
           <a:p>
             <a:r>
               <a:rPr lang="en-US" altLang="ja-JP" dirty="0"/>
-              <a:t>5. </a:t>
+              <a:t>7. </a:t>
             </a:r>
             <a:r>
               <a:rPr lang="ja-JP" altLang="en-US" dirty="0"/>
@@ -5718,75 +5720,9 @@
           <a:lstStyle/>
           <a:p>
             <a:r>
-              <a:rPr lang="en-US" altLang="ja-JP" dirty="0"/>
-              <a:t>DW Model</a:t>
-            </a:r>
-            <a:r>
-              <a:rPr lang="ja-JP" altLang="en-US" dirty="0"/>
-              <a:t>の記述ルール</a:t>
-            </a:r>
-            <a:endParaRPr lang="en-US" altLang="ja-JP" dirty="0"/>
-          </a:p>
-          <a:p>
-            <a:pPr lvl="1"/>
-            <a:r>
-              <a:rPr lang="ja-JP" altLang="ja-JP" dirty="0"/>
-              <a:t>同義語が存在しない状態にする．同義語は</a:t>
-            </a:r>
-            <a:r>
-              <a:rPr lang="en-US" altLang="ja-JP" dirty="0"/>
-              <a:t>1</a:t>
-            </a:r>
-            <a:r>
-              <a:rPr lang="ja-JP" altLang="ja-JP" dirty="0"/>
-              <a:t>種類のみ登場させる． </a:t>
-            </a:r>
-          </a:p>
-          <a:p>
-            <a:pPr lvl="1"/>
-            <a:r>
-              <a:rPr lang="ja-JP" altLang="ja-JP" dirty="0"/>
-              <a:t>各階層には，集約（</a:t>
-            </a:r>
-            <a:r>
-              <a:rPr lang="en-US" altLang="ja-JP" dirty="0"/>
-              <a:t>A has-a B</a:t>
-            </a:r>
-            <a:r>
-              <a:rPr lang="ja-JP" altLang="ja-JP" dirty="0"/>
-              <a:t>）と汎化（</a:t>
-            </a:r>
-            <a:r>
-              <a:rPr lang="en-US" altLang="ja-JP" dirty="0"/>
-              <a:t>A is-a B</a:t>
-            </a:r>
-            <a:r>
-              <a:rPr lang="ja-JP" altLang="ja-JP" dirty="0"/>
-              <a:t>）の関係を混在させない．</a:t>
-            </a:r>
-          </a:p>
-          <a:p>
-            <a:pPr lvl="1"/>
-            <a:r>
-              <a:rPr lang="ja-JP" altLang="ja-JP" dirty="0"/>
-              <a:t>必要に応じて</a:t>
-            </a:r>
-            <a:r>
-              <a:rPr lang="ja-JP" altLang="en-US" dirty="0"/>
-              <a:t>，</a:t>
-            </a:r>
-            <a:r>
-              <a:rPr lang="ja-JP" altLang="ja-JP" dirty="0"/>
-              <a:t>要求仕様で使用されていない用語をモデルに登場させてよい．</a:t>
-            </a:r>
-          </a:p>
-          <a:p>
-            <a:pPr lvl="1"/>
-            <a:r>
-              <a:rPr lang="ja-JP" altLang="ja-JP" dirty="0"/>
-              <a:t>末端の枝にのみ，名詞ではなく，文・式・値等を示してもよい．</a:t>
-            </a:r>
-            <a:endParaRPr lang="en-US" altLang="ja-JP" dirty="0"/>
+              <a:rPr lang="ja-JP" altLang="en-US" dirty="0"/>
+              <a:t>モデルのレビューのイメージ</a:t>
+            </a:r>
           </a:p>
         </p:txBody>
       </p:sp>
@@ -5813,7 +5749,7 @@
           <a:p>
             <a:r>
               <a:rPr lang="en-US" altLang="ja-JP" dirty="0"/>
-              <a:t>5. </a:t>
+              <a:t>7. </a:t>
             </a:r>
             <a:r>
               <a:rPr lang="ja-JP" altLang="en-US" dirty="0"/>
@@ -5860,6 +5796,241 @@
               <a:rPr lang="ja-JP" altLang="en-US" smtClean="0"/>
               <a:pPr/>
               <a:t>19</a:t>
+            </a:fld>
+            <a:r>
+              <a:rPr lang="en-US" altLang="ja-JP">
+                <a:ea typeface="Verdana" panose="020B0604030504040204" pitchFamily="34" charset="0"/>
+              </a:rPr>
+              <a:t> </a:t>
+            </a:r>
+            <a:endParaRPr lang="ja-JP" altLang="en-US" dirty="0"/>
+          </a:p>
+        </p:txBody>
+      </p:sp>
+      <p:pic>
+        <p:nvPicPr>
+          <p:cNvPr id="9" name="図 8">
+            <a:extLst>
+              <a:ext uri="{FF2B5EF4-FFF2-40B4-BE49-F238E27FC236}">
+                <a16:creationId xmlns:a16="http://schemas.microsoft.com/office/drawing/2014/main" id="{EAA8926B-26FB-4E59-BCE0-AB01B3D6B309}"/>
+              </a:ext>
+            </a:extLst>
+          </p:cNvPr>
+          <p:cNvPicPr>
+            <a:picLocks noChangeAspect="1"/>
+          </p:cNvPicPr>
+          <p:nvPr/>
+        </p:nvPicPr>
+        <p:blipFill>
+          <a:blip r:embed="rId2"/>
+          <a:stretch>
+            <a:fillRect/>
+          </a:stretch>
+        </p:blipFill>
+        <p:spPr>
+          <a:xfrm>
+            <a:off x="1006679" y="1266245"/>
+            <a:ext cx="7935984" cy="4966126"/>
+          </a:xfrm>
+          <a:prstGeom prst="rect">
+            <a:avLst/>
+          </a:prstGeom>
+        </p:spPr>
+      </p:pic>
+    </p:spTree>
+    <p:extLst>
+      <p:ext uri="{BB962C8B-B14F-4D97-AF65-F5344CB8AC3E}">
+        <p14:creationId xmlns:p14="http://schemas.microsoft.com/office/powerpoint/2010/main" val="1036841205"/>
+      </p:ext>
+    </p:extLst>
+  </p:cSld>
+  <p:clrMapOvr>
+    <a:masterClrMapping/>
+  </p:clrMapOvr>
+</p:sld>
+</file>
+
+<file path=ppt/slides/slide21.xml><?xml version="1.0" encoding="utf-8"?>
+<p:sld xmlns:a="http://schemas.openxmlformats.org/drawingml/2006/main" xmlns:r="http://schemas.openxmlformats.org/officeDocument/2006/relationships" xmlns:p="http://schemas.openxmlformats.org/presentationml/2006/main">
+  <p:cSld>
+    <p:spTree>
+      <p:nvGrpSpPr>
+        <p:cNvPr id="1" name=""/>
+        <p:cNvGrpSpPr/>
+        <p:nvPr/>
+      </p:nvGrpSpPr>
+      <p:grpSpPr>
+        <a:xfrm>
+          <a:off x="0" y="0"/>
+          <a:ext cx="0" cy="0"/>
+          <a:chOff x="0" y="0"/>
+          <a:chExt cx="0" cy="0"/>
+        </a:xfrm>
+      </p:grpSpPr>
+      <p:sp>
+        <p:nvSpPr>
+          <p:cNvPr id="4" name="コンテンツ プレースホルダー 3">
+            <a:extLst>
+              <a:ext uri="{FF2B5EF4-FFF2-40B4-BE49-F238E27FC236}">
+                <a16:creationId xmlns:a16="http://schemas.microsoft.com/office/drawing/2014/main" id="{E89CF6A8-FA1A-44B2-AC4F-01FBDB36DAC2}"/>
+              </a:ext>
+            </a:extLst>
+          </p:cNvPr>
+          <p:cNvSpPr>
+            <a:spLocks noGrp="1"/>
+          </p:cNvSpPr>
+          <p:nvPr>
+            <p:ph sz="quarter" idx="15"/>
+          </p:nvPr>
+        </p:nvSpPr>
+        <p:spPr/>
+        <p:txBody>
+          <a:bodyPr/>
+          <a:lstStyle/>
+          <a:p>
+            <a:r>
+              <a:rPr lang="en-US" altLang="ja-JP" dirty="0"/>
+              <a:t>DW Model</a:t>
+            </a:r>
+            <a:r>
+              <a:rPr lang="ja-JP" altLang="en-US" dirty="0"/>
+              <a:t>の記述ルール</a:t>
+            </a:r>
+            <a:endParaRPr lang="en-US" altLang="ja-JP" dirty="0"/>
+          </a:p>
+          <a:p>
+            <a:pPr lvl="1"/>
+            <a:r>
+              <a:rPr lang="ja-JP" altLang="ja-JP" dirty="0"/>
+              <a:t>同義語が存在しない状態にする．同義語は</a:t>
+            </a:r>
+            <a:r>
+              <a:rPr lang="en-US" altLang="ja-JP" dirty="0"/>
+              <a:t>1</a:t>
+            </a:r>
+            <a:r>
+              <a:rPr lang="ja-JP" altLang="ja-JP" dirty="0"/>
+              <a:t>種類のみ登場させる． </a:t>
+            </a:r>
+          </a:p>
+          <a:p>
+            <a:pPr lvl="1"/>
+            <a:r>
+              <a:rPr lang="ja-JP" altLang="ja-JP" dirty="0"/>
+              <a:t>各階層には，集約（</a:t>
+            </a:r>
+            <a:r>
+              <a:rPr lang="en-US" altLang="ja-JP" dirty="0"/>
+              <a:t>A has-a B</a:t>
+            </a:r>
+            <a:r>
+              <a:rPr lang="ja-JP" altLang="ja-JP" dirty="0"/>
+              <a:t>）と汎化（</a:t>
+            </a:r>
+            <a:r>
+              <a:rPr lang="en-US" altLang="ja-JP" dirty="0"/>
+              <a:t>A is-a B</a:t>
+            </a:r>
+            <a:r>
+              <a:rPr lang="ja-JP" altLang="ja-JP" dirty="0"/>
+              <a:t>）の関係を混在させない．</a:t>
+            </a:r>
+          </a:p>
+          <a:p>
+            <a:pPr lvl="1"/>
+            <a:r>
+              <a:rPr lang="ja-JP" altLang="ja-JP" dirty="0"/>
+              <a:t>必要に応じて</a:t>
+            </a:r>
+            <a:r>
+              <a:rPr lang="ja-JP" altLang="en-US" dirty="0"/>
+              <a:t>，</a:t>
+            </a:r>
+            <a:r>
+              <a:rPr lang="ja-JP" altLang="ja-JP" dirty="0"/>
+              <a:t>要求仕様で使用されていない用語をモデルに登場させてよい．</a:t>
+            </a:r>
+          </a:p>
+          <a:p>
+            <a:pPr lvl="1"/>
+            <a:r>
+              <a:rPr lang="ja-JP" altLang="ja-JP" dirty="0"/>
+              <a:t>末端の枝にのみ，名詞ではなく，文・式・値等を示してもよい．</a:t>
+            </a:r>
+            <a:endParaRPr lang="en-US" altLang="ja-JP" dirty="0"/>
+          </a:p>
+        </p:txBody>
+      </p:sp>
+      <p:sp>
+        <p:nvSpPr>
+          <p:cNvPr id="2" name="タイトル 1">
+            <a:extLst>
+              <a:ext uri="{FF2B5EF4-FFF2-40B4-BE49-F238E27FC236}">
+                <a16:creationId xmlns:a16="http://schemas.microsoft.com/office/drawing/2014/main" id="{CB718AF2-AF65-4B7F-A8A4-506126A7EFA7}"/>
+              </a:ext>
+            </a:extLst>
+          </p:cNvPr>
+          <p:cNvSpPr>
+            <a:spLocks noGrp="1"/>
+          </p:cNvSpPr>
+          <p:nvPr>
+            <p:ph type="title"/>
+          </p:nvPr>
+        </p:nvSpPr>
+        <p:spPr/>
+        <p:txBody>
+          <a:bodyPr/>
+          <a:lstStyle/>
+          <a:p>
+            <a:r>
+              <a:rPr lang="en-US" altLang="ja-JP" dirty="0"/>
+              <a:t>7. </a:t>
+            </a:r>
+            <a:r>
+              <a:rPr lang="ja-JP" altLang="en-US" dirty="0"/>
+              <a:t>ワーク</a:t>
+            </a:r>
+            <a:r>
+              <a:rPr lang="en-US" altLang="ja-JP" dirty="0"/>
+              <a:t>2</a:t>
+            </a:r>
+            <a:r>
+              <a:rPr lang="ja-JP" altLang="en-US" dirty="0"/>
+              <a:t>：</a:t>
+            </a:r>
+            <a:r>
+              <a:rPr lang="en-US" altLang="ja-JP" dirty="0"/>
+              <a:t>Domain Word Modeling</a:t>
+            </a:r>
+            <a:endParaRPr kumimoji="1" lang="ja-JP" altLang="en-US" dirty="0"/>
+          </a:p>
+        </p:txBody>
+      </p:sp>
+      <p:sp>
+        <p:nvSpPr>
+          <p:cNvPr id="3" name="スライド番号プレースホルダー 2">
+            <a:extLst>
+              <a:ext uri="{FF2B5EF4-FFF2-40B4-BE49-F238E27FC236}">
+                <a16:creationId xmlns:a16="http://schemas.microsoft.com/office/drawing/2014/main" id="{5A01AC4D-FFA3-460E-9BA2-72F4A860AB03}"/>
+              </a:ext>
+            </a:extLst>
+          </p:cNvPr>
+          <p:cNvSpPr>
+            <a:spLocks noGrp="1"/>
+          </p:cNvSpPr>
+          <p:nvPr>
+            <p:ph type="sldNum" sz="quarter" idx="13"/>
+          </p:nvPr>
+        </p:nvSpPr>
+        <p:spPr/>
+        <p:txBody>
+          <a:bodyPr/>
+          <a:lstStyle/>
+          <a:p>
+            <a:fld id="{80F554CA-2BEA-3E4B-997B-FC51848F792A}" type="slidenum">
+              <a:rPr lang="ja-JP" altLang="en-US" smtClean="0"/>
+              <a:pPr/>
+              <a:t>20</a:t>
             </a:fld>
             <a:r>
               <a:rPr lang="en-US" altLang="ja-JP">
@@ -5919,268 +6090,7 @@
     </p:spTree>
     <p:extLst>
       <p:ext uri="{BB962C8B-B14F-4D97-AF65-F5344CB8AC3E}">
-        <p14:creationId xmlns:p14="http://schemas.microsoft.com/office/powerpoint/2010/main" val="1036841205"/>
-      </p:ext>
-    </p:extLst>
-  </p:cSld>
-  <p:clrMapOvr>
-    <a:masterClrMapping/>
-  </p:clrMapOvr>
-</p:sld>
-</file>
-
-<file path=ppt/slides/slide21.xml><?xml version="1.0" encoding="utf-8"?>
-<p:sld xmlns:a="http://schemas.openxmlformats.org/drawingml/2006/main" xmlns:r="http://schemas.openxmlformats.org/officeDocument/2006/relationships" xmlns:p="http://schemas.openxmlformats.org/presentationml/2006/main">
-  <p:cSld>
-    <p:spTree>
-      <p:nvGrpSpPr>
-        <p:cNvPr id="1" name=""/>
-        <p:cNvGrpSpPr/>
-        <p:nvPr/>
-      </p:nvGrpSpPr>
-      <p:grpSpPr>
-        <a:xfrm>
-          <a:off x="0" y="0"/>
-          <a:ext cx="0" cy="0"/>
-          <a:chOff x="0" y="0"/>
-          <a:chExt cx="0" cy="0"/>
-        </a:xfrm>
-      </p:grpSpPr>
-      <p:sp>
-        <p:nvSpPr>
-          <p:cNvPr id="4" name="コンテンツ プレースホルダー 3">
-            <a:extLst>
-              <a:ext uri="{FF2B5EF4-FFF2-40B4-BE49-F238E27FC236}">
-                <a16:creationId xmlns:a16="http://schemas.microsoft.com/office/drawing/2014/main" id="{E89CF6A8-FA1A-44B2-AC4F-01FBDB36DAC2}"/>
-              </a:ext>
-            </a:extLst>
-          </p:cNvPr>
-          <p:cNvSpPr>
-            <a:spLocks noGrp="1"/>
-          </p:cNvSpPr>
-          <p:nvPr>
-            <p:ph sz="quarter" idx="15"/>
-          </p:nvPr>
-        </p:nvSpPr>
-        <p:spPr/>
-        <p:txBody>
-          <a:bodyPr rIns="360000"/>
-          <a:lstStyle/>
-          <a:p>
-            <a:r>
-              <a:rPr lang="ja-JP" altLang="en-US" dirty="0"/>
-              <a:t>ドメイン用語抽出のポイント</a:t>
-            </a:r>
-            <a:endParaRPr lang="en-US" altLang="ja-JP" dirty="0"/>
-          </a:p>
-          <a:p>
-            <a:pPr lvl="1"/>
-            <a:r>
-              <a:rPr lang="ja-JP" altLang="en-US" dirty="0"/>
-              <a:t>モデリング対象の「名詞」「未知語」から、一般用語を省く</a:t>
-            </a:r>
-            <a:endParaRPr lang="en-US" altLang="ja-JP" dirty="0"/>
-          </a:p>
-          <a:p>
-            <a:pPr lvl="1"/>
-            <a:r>
-              <a:rPr lang="ja-JP" altLang="en-US" dirty="0"/>
-              <a:t>モデリング対象の「複合語」から、ドメイン用語と判断できないものを省く</a:t>
-            </a:r>
-            <a:endParaRPr lang="en-US" altLang="ja-JP" dirty="0"/>
-          </a:p>
-          <a:p>
-            <a:r>
-              <a:rPr lang="ja-JP" altLang="en-US" dirty="0"/>
-              <a:t>モデリングのポイント</a:t>
-            </a:r>
-            <a:endParaRPr lang="en-US" altLang="ja-JP" dirty="0"/>
-          </a:p>
-          <a:p>
-            <a:pPr lvl="1"/>
-            <a:r>
-              <a:rPr lang="ja-JP" altLang="en-US" dirty="0"/>
-              <a:t>システムで扱う対象物（ 「名詞」「未知語」「複合語」 ）をモデリングし、</a:t>
-            </a:r>
-            <a:br>
-              <a:rPr lang="en-US" altLang="ja-JP" dirty="0"/>
-            </a:br>
-            <a:r>
-              <a:rPr lang="ja-JP" altLang="en-US" dirty="0"/>
-              <a:t>その後システムの振る舞い（「サ変名詞」）をモデリングする</a:t>
-            </a:r>
-            <a:endParaRPr lang="en-US" altLang="ja-JP" dirty="0"/>
-          </a:p>
-          <a:p>
-            <a:pPr lvl="1"/>
-            <a:r>
-              <a:rPr lang="ja-JP" altLang="en-US" dirty="0"/>
-              <a:t>元文書を見ながらモデリングする（抽出語のリストを見なくてもよい）</a:t>
-            </a:r>
-            <a:endParaRPr lang="en-US" altLang="ja-JP" dirty="0"/>
-          </a:p>
-          <a:p>
-            <a:pPr lvl="1"/>
-            <a:r>
-              <a:rPr lang="ja-JP" altLang="en-US" dirty="0"/>
-              <a:t>仕様が表現できるのであれば、モデルで全ての語を使用する必要はない</a:t>
-            </a:r>
-            <a:endParaRPr lang="en-US" altLang="ja-JP" dirty="0"/>
-          </a:p>
-          <a:p>
-            <a:pPr lvl="1"/>
-            <a:r>
-              <a:rPr lang="ja-JP" altLang="en-US" dirty="0"/>
-              <a:t>モデリングルールを満たしているかのチェックに加えて、以下のチェックも行う</a:t>
-            </a:r>
-            <a:endParaRPr lang="en-US" altLang="ja-JP" dirty="0"/>
-          </a:p>
-          <a:p>
-            <a:pPr lvl="2"/>
-            <a:r>
-              <a:rPr lang="ja-JP" altLang="en-US" dirty="0"/>
-              <a:t>モデルの各階層が</a:t>
-            </a:r>
-            <a:r>
-              <a:rPr lang="en-US" altLang="ja-JP" dirty="0"/>
-              <a:t>MECE</a:t>
-            </a:r>
-            <a:r>
-              <a:rPr lang="ja-JP" altLang="en-US" dirty="0"/>
-              <a:t>な状態であるか</a:t>
-            </a:r>
-            <a:endParaRPr lang="en-US" altLang="ja-JP" dirty="0"/>
-          </a:p>
-          <a:p>
-            <a:pPr lvl="2"/>
-            <a:r>
-              <a:rPr lang="ja-JP" altLang="en-US" dirty="0"/>
-              <a:t>モデルの同一階層に統一感があるか</a:t>
-            </a:r>
-            <a:endParaRPr lang="en-US" altLang="ja-JP" dirty="0"/>
-          </a:p>
-          <a:p>
-            <a:pPr lvl="1"/>
-            <a:r>
-              <a:rPr lang="ja-JP" altLang="en-US" dirty="0"/>
-              <a:t>使われていない語をモデルに登場させる必要がないか確認する</a:t>
-            </a:r>
-            <a:endParaRPr lang="en-US" altLang="ja-JP" dirty="0"/>
-          </a:p>
-          <a:p>
-            <a:pPr lvl="1"/>
-            <a:r>
-              <a:rPr lang="ja-JP" altLang="en-US" dirty="0"/>
-              <a:t>モデルで未使用の語を、別の表現に変更する必要がないか確認する</a:t>
-            </a:r>
-            <a:br>
-              <a:rPr lang="en-US" altLang="ja-JP" dirty="0"/>
-            </a:br>
-            <a:r>
-              <a:rPr lang="ja-JP" altLang="en-US" dirty="0"/>
-              <a:t>モデルで未使用の語が、仕様を定義するために本当に必要か確認する</a:t>
-            </a:r>
-            <a:endParaRPr lang="en-US" altLang="ja-JP" dirty="0"/>
-          </a:p>
-          <a:p>
-            <a:pPr lvl="1"/>
-            <a:endParaRPr lang="en-US" altLang="ja-JP" dirty="0"/>
-          </a:p>
-          <a:p>
-            <a:pPr lvl="1"/>
-            <a:endParaRPr lang="en-US" altLang="ja-JP" dirty="0"/>
-          </a:p>
-          <a:p>
-            <a:pPr lvl="1"/>
-            <a:endParaRPr lang="en-US" altLang="ja-JP" dirty="0"/>
-          </a:p>
-        </p:txBody>
-      </p:sp>
-      <p:sp>
-        <p:nvSpPr>
-          <p:cNvPr id="2" name="タイトル 1">
-            <a:extLst>
-              <a:ext uri="{FF2B5EF4-FFF2-40B4-BE49-F238E27FC236}">
-                <a16:creationId xmlns:a16="http://schemas.microsoft.com/office/drawing/2014/main" id="{CB718AF2-AF65-4B7F-A8A4-506126A7EFA7}"/>
-              </a:ext>
-            </a:extLst>
-          </p:cNvPr>
-          <p:cNvSpPr>
-            <a:spLocks noGrp="1"/>
-          </p:cNvSpPr>
-          <p:nvPr>
-            <p:ph type="title"/>
-          </p:nvPr>
-        </p:nvSpPr>
-        <p:spPr/>
-        <p:txBody>
-          <a:bodyPr/>
-          <a:lstStyle/>
-          <a:p>
-            <a:r>
-              <a:rPr lang="en-US" altLang="ja-JP" dirty="0"/>
-              <a:t>5. </a:t>
-            </a:r>
-            <a:r>
-              <a:rPr lang="ja-JP" altLang="en-US" dirty="0"/>
-              <a:t>ワーク</a:t>
-            </a:r>
-            <a:r>
-              <a:rPr lang="en-US" altLang="ja-JP" dirty="0"/>
-              <a:t>2</a:t>
-            </a:r>
-            <a:r>
-              <a:rPr lang="ja-JP" altLang="en-US" dirty="0"/>
-              <a:t>：</a:t>
-            </a:r>
-            <a:r>
-              <a:rPr lang="en-US" altLang="ja-JP" dirty="0"/>
-              <a:t>Domain Word Modeling</a:t>
-            </a:r>
-            <a:endParaRPr kumimoji="1" lang="ja-JP" altLang="en-US" dirty="0"/>
-          </a:p>
-        </p:txBody>
-      </p:sp>
-      <p:sp>
-        <p:nvSpPr>
-          <p:cNvPr id="3" name="スライド番号プレースホルダー 2">
-            <a:extLst>
-              <a:ext uri="{FF2B5EF4-FFF2-40B4-BE49-F238E27FC236}">
-                <a16:creationId xmlns:a16="http://schemas.microsoft.com/office/drawing/2014/main" id="{5A01AC4D-FFA3-460E-9BA2-72F4A860AB03}"/>
-              </a:ext>
-            </a:extLst>
-          </p:cNvPr>
-          <p:cNvSpPr>
-            <a:spLocks noGrp="1"/>
-          </p:cNvSpPr>
-          <p:nvPr>
-            <p:ph type="sldNum" sz="quarter" idx="13"/>
-          </p:nvPr>
-        </p:nvSpPr>
-        <p:spPr/>
-        <p:txBody>
-          <a:bodyPr/>
-          <a:lstStyle/>
-          <a:p>
-            <a:fld id="{80F554CA-2BEA-3E4B-997B-FC51848F792A}" type="slidenum">
-              <a:rPr lang="ja-JP" altLang="en-US" smtClean="0"/>
-              <a:pPr/>
-              <a:t>20</a:t>
-            </a:fld>
-            <a:r>
-              <a:rPr lang="en-US" altLang="ja-JP">
-                <a:ea typeface="Verdana" panose="020B0604030504040204" pitchFamily="34" charset="0"/>
-              </a:rPr>
-              <a:t> </a:t>
-            </a:r>
-            <a:endParaRPr lang="ja-JP" altLang="en-US" dirty="0"/>
-          </a:p>
-        </p:txBody>
-      </p:sp>
-    </p:spTree>
-    <p:extLst>
-      <p:ext uri="{BB962C8B-B14F-4D97-AF65-F5344CB8AC3E}">
-        <p14:creationId xmlns:p14="http://schemas.microsoft.com/office/powerpoint/2010/main" val="1326639251"/>
+        <p14:creationId xmlns:p14="http://schemas.microsoft.com/office/powerpoint/2010/main" val="2208959196"/>
       </p:ext>
     </p:extLst>
   </p:cSld>
@@ -6209,10 +6119,192 @@
       </p:grpSpPr>
       <p:sp>
         <p:nvSpPr>
+          <p:cNvPr id="4" name="コンテンツ プレースホルダー 3">
+            <a:extLst>
+              <a:ext uri="{FF2B5EF4-FFF2-40B4-BE49-F238E27FC236}">
+                <a16:creationId xmlns:a16="http://schemas.microsoft.com/office/drawing/2014/main" id="{E89CF6A8-FA1A-44B2-AC4F-01FBDB36DAC2}"/>
+              </a:ext>
+            </a:extLst>
+          </p:cNvPr>
+          <p:cNvSpPr>
+            <a:spLocks noGrp="1"/>
+          </p:cNvSpPr>
+          <p:nvPr>
+            <p:ph sz="quarter" idx="15"/>
+          </p:nvPr>
+        </p:nvSpPr>
+        <p:spPr/>
+        <p:txBody>
+          <a:bodyPr rIns="360000"/>
+          <a:lstStyle/>
+          <a:p>
+            <a:r>
+              <a:rPr lang="ja-JP" altLang="en-US" dirty="0"/>
+              <a:t>ドメイン用語抽出のポイント</a:t>
+            </a:r>
+            <a:endParaRPr lang="en-US" altLang="ja-JP" dirty="0"/>
+          </a:p>
+          <a:p>
+            <a:pPr lvl="1"/>
+            <a:r>
+              <a:rPr lang="ja-JP" altLang="en-US" dirty="0"/>
+              <a:t>モデリング対象の「名詞」「未知語」から、一般用語を省く</a:t>
+            </a:r>
+            <a:endParaRPr lang="en-US" altLang="ja-JP" dirty="0"/>
+          </a:p>
+          <a:p>
+            <a:pPr lvl="1"/>
+            <a:r>
+              <a:rPr lang="ja-JP" altLang="en-US" dirty="0"/>
+              <a:t>モデリング対象の「複合語」から、ドメイン用語と判断できないものを省く</a:t>
+            </a:r>
+            <a:endParaRPr lang="en-US" altLang="ja-JP" dirty="0"/>
+          </a:p>
+          <a:p>
+            <a:r>
+              <a:rPr lang="ja-JP" altLang="en-US" dirty="0"/>
+              <a:t>モデリングのポイント</a:t>
+            </a:r>
+            <a:endParaRPr lang="en-US" altLang="ja-JP" dirty="0"/>
+          </a:p>
+          <a:p>
+            <a:pPr lvl="1"/>
+            <a:r>
+              <a:rPr lang="ja-JP" altLang="en-US" u="sng" dirty="0">
+                <a:solidFill>
+                  <a:schemeClr val="tx1"/>
+                </a:solidFill>
+              </a:rPr>
+              <a:t>システムで扱う対象物（ 「名詞」「未知語」「複合語」 ）をモデリングし、</a:t>
+            </a:r>
+            <a:br>
+              <a:rPr lang="en-US" altLang="ja-JP" u="sng" dirty="0">
+                <a:solidFill>
+                  <a:schemeClr val="tx1"/>
+                </a:solidFill>
+              </a:rPr>
+            </a:br>
+            <a:r>
+              <a:rPr lang="ja-JP" altLang="en-US" u="sng" dirty="0">
+                <a:solidFill>
+                  <a:schemeClr val="tx1"/>
+                </a:solidFill>
+              </a:rPr>
+              <a:t>その後システムの振る舞い（「サ変名詞」）をモデリングする</a:t>
+            </a:r>
+            <a:endParaRPr lang="en-US" altLang="ja-JP" u="sng" dirty="0">
+              <a:solidFill>
+                <a:schemeClr val="tx1"/>
+              </a:solidFill>
+            </a:endParaRPr>
+          </a:p>
+          <a:p>
+            <a:pPr lvl="1"/>
+            <a:r>
+              <a:rPr lang="ja-JP" altLang="en-US" u="sng" dirty="0">
+                <a:solidFill>
+                  <a:schemeClr val="tx1"/>
+                </a:solidFill>
+              </a:rPr>
+              <a:t>元文書を見ながらモデリングする（抽出語のリストを見なくてもよい）</a:t>
+            </a:r>
+            <a:endParaRPr lang="en-US" altLang="ja-JP" u="sng" dirty="0">
+              <a:solidFill>
+                <a:schemeClr val="tx1"/>
+              </a:solidFill>
+            </a:endParaRPr>
+          </a:p>
+          <a:p>
+            <a:pPr lvl="1"/>
+            <a:r>
+              <a:rPr lang="ja-JP" altLang="en-US" u="sng" dirty="0">
+                <a:solidFill>
+                  <a:schemeClr val="tx1"/>
+                </a:solidFill>
+              </a:rPr>
+              <a:t>仕様が表現できるのであれば、モデルで全ての語を使用する必要はない</a:t>
+            </a:r>
+            <a:endParaRPr lang="en-US" altLang="ja-JP" u="sng" dirty="0">
+              <a:solidFill>
+                <a:schemeClr val="tx1"/>
+              </a:solidFill>
+            </a:endParaRPr>
+          </a:p>
+          <a:p>
+            <a:pPr lvl="1"/>
+            <a:r>
+              <a:rPr lang="ja-JP" altLang="en-US" dirty="0"/>
+              <a:t>モデリングルールを満たしているかのチェックに加えて、以下のチェックも行う</a:t>
+            </a:r>
+            <a:endParaRPr lang="en-US" altLang="ja-JP" dirty="0"/>
+          </a:p>
+          <a:p>
+            <a:pPr lvl="2"/>
+            <a:r>
+              <a:rPr lang="ja-JP" altLang="en-US" dirty="0"/>
+              <a:t>モデルの各階層が</a:t>
+            </a:r>
+            <a:r>
+              <a:rPr lang="en-US" altLang="ja-JP" dirty="0"/>
+              <a:t>MECE</a:t>
+            </a:r>
+            <a:r>
+              <a:rPr lang="ja-JP" altLang="en-US" dirty="0"/>
+              <a:t>な状態であるか</a:t>
+            </a:r>
+            <a:endParaRPr lang="en-US" altLang="ja-JP" dirty="0"/>
+          </a:p>
+          <a:p>
+            <a:pPr lvl="2"/>
+            <a:r>
+              <a:rPr lang="ja-JP" altLang="en-US" dirty="0"/>
+              <a:t>モデルの同一階層に統一感があるか</a:t>
+            </a:r>
+            <a:endParaRPr lang="en-US" altLang="ja-JP" dirty="0"/>
+          </a:p>
+          <a:p>
+            <a:pPr lvl="1"/>
+            <a:r>
+              <a:rPr lang="ja-JP" altLang="en-US" dirty="0"/>
+              <a:t>使われていない語をモデルに登場させる必要がないか確認する</a:t>
+            </a:r>
+            <a:endParaRPr lang="en-US" altLang="ja-JP" dirty="0"/>
+          </a:p>
+          <a:p>
+            <a:pPr lvl="1"/>
+            <a:r>
+              <a:rPr lang="ja-JP" altLang="en-US" dirty="0"/>
+              <a:t>モデルで未使用の語を、別の表現に変更する必要がないか確認する</a:t>
+            </a:r>
+            <a:br>
+              <a:rPr lang="en-US" altLang="ja-JP" dirty="0"/>
+            </a:br>
+            <a:r>
+              <a:rPr lang="ja-JP" altLang="en-US" dirty="0"/>
+              <a:t>モデルで未使用の語が、仕様を定義するために本当に必要か確認する</a:t>
+            </a:r>
+            <a:endParaRPr lang="en-US" altLang="ja-JP" dirty="0"/>
+          </a:p>
+          <a:p>
+            <a:pPr lvl="1"/>
+            <a:endParaRPr lang="en-US" altLang="ja-JP" dirty="0"/>
+          </a:p>
+          <a:p>
+            <a:pPr lvl="1"/>
+            <a:endParaRPr lang="en-US" altLang="ja-JP" dirty="0"/>
+          </a:p>
+          <a:p>
+            <a:pPr lvl="1"/>
+            <a:endParaRPr lang="en-US" altLang="ja-JP" dirty="0"/>
+          </a:p>
+        </p:txBody>
+      </p:sp>
+      <p:sp>
+        <p:nvSpPr>
           <p:cNvPr id="2" name="タイトル 1">
             <a:extLst>
               <a:ext uri="{FF2B5EF4-FFF2-40B4-BE49-F238E27FC236}">
-                <a16:creationId xmlns:a16="http://schemas.microsoft.com/office/drawing/2014/main" id="{6EB21DD2-FF4B-4C6D-BB3F-19717A740927}"/>
+                <a16:creationId xmlns:a16="http://schemas.microsoft.com/office/drawing/2014/main" id="{CB718AF2-AF65-4B7F-A8A4-506126A7EFA7}"/>
               </a:ext>
             </a:extLst>
           </p:cNvPr>
@@ -6230,11 +6322,23 @@
           <a:p>
             <a:r>
               <a:rPr lang="en-US" altLang="ja-JP" dirty="0"/>
-              <a:t>8. </a:t>
-            </a:r>
-            <a:r>
-              <a:rPr lang="ja-JP" altLang="en-US" dirty="0"/>
-              <a:t>ふりかえり</a:t>
+              <a:t>7. </a:t>
+            </a:r>
+            <a:r>
+              <a:rPr lang="ja-JP" altLang="en-US" dirty="0"/>
+              <a:t>ワーク</a:t>
+            </a:r>
+            <a:r>
+              <a:rPr lang="en-US" altLang="ja-JP" dirty="0"/>
+              <a:t>2</a:t>
+            </a:r>
+            <a:r>
+              <a:rPr lang="ja-JP" altLang="en-US" dirty="0"/>
+              <a:t>：</a:t>
+            </a:r>
+            <a:r>
+              <a:rPr lang="en-US" altLang="ja-JP" dirty="0"/>
+              <a:t>Domain Word Modeling</a:t>
             </a:r>
             <a:endParaRPr kumimoji="1" lang="ja-JP" altLang="en-US" dirty="0"/>
           </a:p>
@@ -6245,7 +6349,7 @@
           <p:cNvPr id="3" name="スライド番号プレースホルダー 2">
             <a:extLst>
               <a:ext uri="{FF2B5EF4-FFF2-40B4-BE49-F238E27FC236}">
-                <a16:creationId xmlns:a16="http://schemas.microsoft.com/office/drawing/2014/main" id="{6C0F44EA-3E19-4164-AFA7-C74B02EEFC15}"/>
+                <a16:creationId xmlns:a16="http://schemas.microsoft.com/office/drawing/2014/main" id="{5A01AC4D-FFA3-460E-9BA2-72F4A860AB03}"/>
               </a:ext>
             </a:extLst>
           </p:cNvPr>
@@ -6276,70 +6380,10 @@
           </a:p>
         </p:txBody>
       </p:sp>
-      <p:sp>
-        <p:nvSpPr>
-          <p:cNvPr id="4" name="コンテンツ プレースホルダー 3">
-            <a:extLst>
-              <a:ext uri="{FF2B5EF4-FFF2-40B4-BE49-F238E27FC236}">
-                <a16:creationId xmlns:a16="http://schemas.microsoft.com/office/drawing/2014/main" id="{EC5C28DF-5F16-49F5-9F71-2FE579A05438}"/>
-              </a:ext>
-            </a:extLst>
-          </p:cNvPr>
-          <p:cNvSpPr>
-            <a:spLocks noGrp="1"/>
-          </p:cNvSpPr>
-          <p:nvPr>
-            <p:ph sz="quarter" idx="14"/>
-          </p:nvPr>
-        </p:nvSpPr>
-        <p:spPr/>
-        <p:txBody>
-          <a:bodyPr/>
-          <a:lstStyle/>
-          <a:p>
-            <a:r>
-              <a:rPr kumimoji="1" lang="ja-JP" altLang="en-US" dirty="0"/>
-              <a:t>わかったこと／わからなかったこと／きづいたこと</a:t>
-            </a:r>
-            <a:endParaRPr lang="en-US" altLang="ja-JP" sz="2400" dirty="0"/>
-          </a:p>
-          <a:p>
-            <a:pPr lvl="1"/>
-            <a:endParaRPr lang="en-US" altLang="ja-JP" dirty="0"/>
-          </a:p>
-          <a:p>
-            <a:pPr lvl="1"/>
-            <a:endParaRPr lang="en-US" altLang="ja-JP" dirty="0"/>
-          </a:p>
-          <a:p>
-            <a:pPr lvl="1"/>
-            <a:endParaRPr lang="en-US" altLang="ja-JP" dirty="0"/>
-          </a:p>
-          <a:p>
-            <a:pPr lvl="1"/>
-            <a:endParaRPr lang="en-US" altLang="ja-JP" dirty="0"/>
-          </a:p>
-          <a:p>
-            <a:pPr lvl="1"/>
-            <a:endParaRPr lang="en-US" altLang="ja-JP" dirty="0"/>
-          </a:p>
-          <a:p>
-            <a:pPr lvl="2"/>
-            <a:endParaRPr kumimoji="1" lang="en-US" altLang="ja-JP" dirty="0"/>
-          </a:p>
-          <a:p>
-            <a:r>
-              <a:rPr lang="ja-JP" altLang="en-US" dirty="0"/>
-              <a:t>今度やってみようと思うこと</a:t>
-            </a:r>
-            <a:endParaRPr kumimoji="1" lang="en-US" altLang="ja-JP" dirty="0"/>
-          </a:p>
-        </p:txBody>
-      </p:sp>
     </p:spTree>
     <p:extLst>
       <p:ext uri="{BB962C8B-B14F-4D97-AF65-F5344CB8AC3E}">
-        <p14:creationId xmlns:p14="http://schemas.microsoft.com/office/powerpoint/2010/main" val="276835136"/>
+        <p14:creationId xmlns:p14="http://schemas.microsoft.com/office/powerpoint/2010/main" val="1326639251"/>
       </p:ext>
     </p:extLst>
   </p:cSld>
@@ -6389,7 +6433,7 @@
           <a:p>
             <a:r>
               <a:rPr lang="en-US" altLang="ja-JP" dirty="0"/>
-              <a:t>6. </a:t>
+              <a:t>8. </a:t>
             </a:r>
             <a:r>
               <a:rPr lang="ja-JP" altLang="en-US" dirty="0"/>
@@ -6424,6 +6468,165 @@
               <a:rPr lang="ja-JP" altLang="en-US" smtClean="0"/>
               <a:pPr/>
               <a:t>22</a:t>
+            </a:fld>
+            <a:r>
+              <a:rPr lang="en-US" altLang="ja-JP">
+                <a:ea typeface="Verdana" panose="020B0604030504040204" pitchFamily="34" charset="0"/>
+              </a:rPr>
+              <a:t> </a:t>
+            </a:r>
+            <a:endParaRPr lang="ja-JP" altLang="en-US" dirty="0"/>
+          </a:p>
+        </p:txBody>
+      </p:sp>
+      <p:sp>
+        <p:nvSpPr>
+          <p:cNvPr id="4" name="コンテンツ プレースホルダー 3">
+            <a:extLst>
+              <a:ext uri="{FF2B5EF4-FFF2-40B4-BE49-F238E27FC236}">
+                <a16:creationId xmlns:a16="http://schemas.microsoft.com/office/drawing/2014/main" id="{EC5C28DF-5F16-49F5-9F71-2FE579A05438}"/>
+              </a:ext>
+            </a:extLst>
+          </p:cNvPr>
+          <p:cNvSpPr>
+            <a:spLocks noGrp="1"/>
+          </p:cNvSpPr>
+          <p:nvPr>
+            <p:ph sz="quarter" idx="14"/>
+          </p:nvPr>
+        </p:nvSpPr>
+        <p:spPr/>
+        <p:txBody>
+          <a:bodyPr/>
+          <a:lstStyle/>
+          <a:p>
+            <a:r>
+              <a:rPr kumimoji="1" lang="ja-JP" altLang="en-US" dirty="0"/>
+              <a:t>わかったこと／わからなかったこと／きづいたこと</a:t>
+            </a:r>
+            <a:endParaRPr lang="en-US" altLang="ja-JP" sz="2400" dirty="0"/>
+          </a:p>
+          <a:p>
+            <a:pPr lvl="1"/>
+            <a:endParaRPr lang="en-US" altLang="ja-JP" dirty="0"/>
+          </a:p>
+          <a:p>
+            <a:pPr lvl="1"/>
+            <a:endParaRPr lang="en-US" altLang="ja-JP" dirty="0"/>
+          </a:p>
+          <a:p>
+            <a:pPr lvl="1"/>
+            <a:endParaRPr lang="en-US" altLang="ja-JP" dirty="0"/>
+          </a:p>
+          <a:p>
+            <a:pPr lvl="1"/>
+            <a:endParaRPr lang="en-US" altLang="ja-JP" dirty="0"/>
+          </a:p>
+          <a:p>
+            <a:pPr lvl="1"/>
+            <a:endParaRPr lang="en-US" altLang="ja-JP" dirty="0"/>
+          </a:p>
+          <a:p>
+            <a:pPr lvl="2"/>
+            <a:endParaRPr kumimoji="1" lang="en-US" altLang="ja-JP" dirty="0"/>
+          </a:p>
+          <a:p>
+            <a:r>
+              <a:rPr lang="ja-JP" altLang="en-US" dirty="0"/>
+              <a:t>今度やってみようと思うこと</a:t>
+            </a:r>
+            <a:endParaRPr kumimoji="1" lang="en-US" altLang="ja-JP" dirty="0"/>
+          </a:p>
+        </p:txBody>
+      </p:sp>
+    </p:spTree>
+    <p:extLst>
+      <p:ext uri="{BB962C8B-B14F-4D97-AF65-F5344CB8AC3E}">
+        <p14:creationId xmlns:p14="http://schemas.microsoft.com/office/powerpoint/2010/main" val="276835136"/>
+      </p:ext>
+    </p:extLst>
+  </p:cSld>
+  <p:clrMapOvr>
+    <a:masterClrMapping/>
+  </p:clrMapOvr>
+</p:sld>
+</file>
+
+<file path=ppt/slides/slide24.xml><?xml version="1.0" encoding="utf-8"?>
+<p:sld xmlns:a="http://schemas.openxmlformats.org/drawingml/2006/main" xmlns:r="http://schemas.openxmlformats.org/officeDocument/2006/relationships" xmlns:p="http://schemas.openxmlformats.org/presentationml/2006/main">
+  <p:cSld>
+    <p:spTree>
+      <p:nvGrpSpPr>
+        <p:cNvPr id="1" name=""/>
+        <p:cNvGrpSpPr/>
+        <p:nvPr/>
+      </p:nvGrpSpPr>
+      <p:grpSpPr>
+        <a:xfrm>
+          <a:off x="0" y="0"/>
+          <a:ext cx="0" cy="0"/>
+          <a:chOff x="0" y="0"/>
+          <a:chExt cx="0" cy="0"/>
+        </a:xfrm>
+      </p:grpSpPr>
+      <p:sp>
+        <p:nvSpPr>
+          <p:cNvPr id="2" name="タイトル 1">
+            <a:extLst>
+              <a:ext uri="{FF2B5EF4-FFF2-40B4-BE49-F238E27FC236}">
+                <a16:creationId xmlns:a16="http://schemas.microsoft.com/office/drawing/2014/main" id="{6EB21DD2-FF4B-4C6D-BB3F-19717A740927}"/>
+              </a:ext>
+            </a:extLst>
+          </p:cNvPr>
+          <p:cNvSpPr>
+            <a:spLocks noGrp="1"/>
+          </p:cNvSpPr>
+          <p:nvPr>
+            <p:ph type="title"/>
+          </p:nvPr>
+        </p:nvSpPr>
+        <p:spPr/>
+        <p:txBody>
+          <a:bodyPr/>
+          <a:lstStyle/>
+          <a:p>
+            <a:r>
+              <a:rPr lang="en-US" altLang="ja-JP" dirty="0"/>
+              <a:t>8. </a:t>
+            </a:r>
+            <a:r>
+              <a:rPr lang="ja-JP" altLang="en-US" dirty="0"/>
+              <a:t>ふりかえり</a:t>
+            </a:r>
+            <a:endParaRPr kumimoji="1" lang="ja-JP" altLang="en-US" dirty="0"/>
+          </a:p>
+        </p:txBody>
+      </p:sp>
+      <p:sp>
+        <p:nvSpPr>
+          <p:cNvPr id="3" name="スライド番号プレースホルダー 2">
+            <a:extLst>
+              <a:ext uri="{FF2B5EF4-FFF2-40B4-BE49-F238E27FC236}">
+                <a16:creationId xmlns:a16="http://schemas.microsoft.com/office/drawing/2014/main" id="{6C0F44EA-3E19-4164-AFA7-C74B02EEFC15}"/>
+              </a:ext>
+            </a:extLst>
+          </p:cNvPr>
+          <p:cNvSpPr>
+            <a:spLocks noGrp="1"/>
+          </p:cNvSpPr>
+          <p:nvPr>
+            <p:ph type="sldNum" sz="quarter" idx="13"/>
+          </p:nvPr>
+        </p:nvSpPr>
+        <p:spPr/>
+        <p:txBody>
+          <a:bodyPr/>
+          <a:lstStyle/>
+          <a:p>
+            <a:fld id="{80F554CA-2BEA-3E4B-997B-FC51848F792A}" type="slidenum">
+              <a:rPr lang="ja-JP" altLang="en-US" smtClean="0"/>
+              <a:pPr/>
+              <a:t>23</a:t>
             </a:fld>
             <a:r>
               <a:rPr lang="en-US" altLang="ja-JP">
@@ -7690,6 +7893,13 @@
             <a:r>
               <a:rPr lang="ja-JP" altLang="en-US" sz="2800" dirty="0"/>
               <a:t>タイムスケジュール</a:t>
+            </a:r>
+            <a:endParaRPr lang="en-US" altLang="ja-JP" sz="2800" dirty="0"/>
+          </a:p>
+          <a:p>
+            <a:r>
+              <a:rPr lang="ja-JP" altLang="en-US" sz="2800" dirty="0"/>
+              <a:t>準備</a:t>
             </a:r>
             <a:endParaRPr lang="en-US" altLang="ja-JP" sz="2800" dirty="0"/>
           </a:p>
@@ -9090,7 +9300,7 @@
           <a:p>
             <a:r>
               <a:rPr lang="en-US" altLang="ja-JP" dirty="0"/>
-              <a:t>2. </a:t>
+              <a:t>3. </a:t>
             </a:r>
             <a:r>
               <a:rPr lang="ja-JP" altLang="en-US" dirty="0"/>
